--- a/Presentation1.pptx
+++ b/Presentation1.pptx
@@ -8,8 +8,11 @@
     <p:sldId id="256" r:id="rId2"/>
     <p:sldId id="259" r:id="rId3"/>
     <p:sldId id="260" r:id="rId4"/>
-    <p:sldId id="257" r:id="rId5"/>
-    <p:sldId id="261" r:id="rId6"/>
+    <p:sldId id="264" r:id="rId5"/>
+    <p:sldId id="265" r:id="rId6"/>
+    <p:sldId id="266" r:id="rId7"/>
+    <p:sldId id="257" r:id="rId8"/>
+    <p:sldId id="261" r:id="rId9"/>
   </p:sldIdLst>
   <p:sldSz cx="12192000" cy="6858000"/>
   <p:notesSz cx="6858000" cy="9144000"/>
@@ -885,12 +888,8 @@
         <a:lstStyle/>
         <a:p>
           <a:r>
-            <a:rPr lang="en-US"/>
-            <a:t>8) </a:t>
-          </a:r>
-          <a:r>
             <a:rPr lang="en-US" dirty="0"/>
-            <a:t>Rejecting or failing to reject our Hypotheses  </a:t>
+            <a:t>8) Rejecting or failing to reject our Hypotheses  </a:t>
           </a:r>
         </a:p>
       </dgm:t>
@@ -949,12 +948,8 @@
         <a:lstStyle/>
         <a:p>
           <a:r>
-            <a:rPr lang="en-US"/>
-            <a:t>9) </a:t>
-          </a:r>
-          <a:r>
             <a:rPr lang="en-US" dirty="0"/>
-            <a:t>Conclusion</a:t>
+            <a:t>8) Conclusion</a:t>
           </a:r>
         </a:p>
       </dgm:t>
@@ -1173,12 +1168,8 @@
         <a:lstStyle/>
         <a:p>
           <a:r>
-            <a:rPr lang="en-US"/>
-            <a:t>6) </a:t>
-          </a:r>
-          <a:r>
             <a:rPr lang="en-US" dirty="0"/>
-            <a:t>Calculating Statistical values</a:t>
+            <a:t>6) Calculating Statistical values</a:t>
           </a:r>
         </a:p>
       </dgm:t>
@@ -1237,12 +1228,8 @@
         <a:lstStyle/>
         <a:p>
           <a:r>
-            <a:rPr lang="en-US"/>
-            <a:t>5) </a:t>
-          </a:r>
-          <a:r>
             <a:rPr lang="en-US" dirty="0"/>
-            <a:t>Data Analysis</a:t>
+            <a:t>5) Data Analysis</a:t>
           </a:r>
         </a:p>
       </dgm:t>
@@ -1427,7 +1414,7 @@
       <dgm:spPr/>
     </dgm:pt>
     <dgm:pt modelId="{81ED5734-E9C2-9A4C-A1BF-A94FD8D6EB34}" type="pres">
-      <dgm:prSet presAssocID="{F55CFA3E-CE05-4F4B-B36D-3B4103FA2D6B}" presName="imagSh" presStyleLbl="bgImgPlace1" presStyleIdx="0" presStyleCnt="9"/>
+      <dgm:prSet presAssocID="{F55CFA3E-CE05-4F4B-B36D-3B4103FA2D6B}" presName="imagSh" presStyleLbl="bgImgPlace1" presStyleIdx="0" presStyleCnt="9" custLinFactNeighborX="18642" custLinFactNeighborY="-10145"/>
       <dgm:spPr>
         <a:blipFill dpi="0" rotWithShape="1">
           <a:blip xmlns:r="http://schemas.openxmlformats.org/officeDocument/2006/relationships" r:embed="rId1"/>
@@ -1459,7 +1446,7 @@
       <dgm:spPr/>
     </dgm:pt>
     <dgm:pt modelId="{BC14880D-8C17-A846-A990-24B6FD10B3D7}" type="pres">
-      <dgm:prSet presAssocID="{7FD1D240-5A7B-BD46-865D-09F38E946AD2}" presName="imagSh" presStyleLbl="bgImgPlace1" presStyleIdx="1" presStyleCnt="9"/>
+      <dgm:prSet presAssocID="{7FD1D240-5A7B-BD46-865D-09F38E946AD2}" presName="imagSh" presStyleLbl="bgImgPlace1" presStyleIdx="1" presStyleCnt="9" custLinFactNeighborX="18642" custLinFactNeighborY="-10145"/>
       <dgm:spPr>
         <a:blipFill dpi="0" rotWithShape="1">
           <a:blip xmlns:r="http://schemas.openxmlformats.org/officeDocument/2006/relationships" r:embed="rId2"/>
@@ -1491,7 +1478,7 @@
       <dgm:spPr/>
     </dgm:pt>
     <dgm:pt modelId="{D4E70F6C-142B-2840-BD7C-74FC1D04F26B}" type="pres">
-      <dgm:prSet presAssocID="{C93C4E7B-7DCC-FE41-A7BA-8CC6C908C5F4}" presName="imagSh" presStyleLbl="bgImgPlace1" presStyleIdx="2" presStyleCnt="9"/>
+      <dgm:prSet presAssocID="{C93C4E7B-7DCC-FE41-A7BA-8CC6C908C5F4}" presName="imagSh" presStyleLbl="bgImgPlace1" presStyleIdx="2" presStyleCnt="9" custLinFactNeighborX="18642" custLinFactNeighborY="-10145"/>
       <dgm:spPr>
         <a:blipFill dpi="0" rotWithShape="1">
           <a:blip xmlns:r="http://schemas.openxmlformats.org/officeDocument/2006/relationships" r:embed="rId3">
@@ -1529,7 +1516,7 @@
       <dgm:spPr/>
     </dgm:pt>
     <dgm:pt modelId="{8F9AA508-8656-B444-B397-CA9BE4E672DE}" type="pres">
-      <dgm:prSet presAssocID="{709F816E-6B2C-1944-B16A-347CE1AD2F60}" presName="imagSh" presStyleLbl="bgImgPlace1" presStyleIdx="3" presStyleCnt="9"/>
+      <dgm:prSet presAssocID="{709F816E-6B2C-1944-B16A-347CE1AD2F60}" presName="imagSh" presStyleLbl="bgImgPlace1" presStyleIdx="3" presStyleCnt="9" custLinFactNeighborX="18642" custLinFactNeighborY="-10145"/>
       <dgm:spPr>
         <a:blipFill dpi="0" rotWithShape="1">
           <a:blip xmlns:r="http://schemas.openxmlformats.org/officeDocument/2006/relationships" r:embed="rId4">
@@ -1576,7 +1563,7 @@
       <dgm:spPr/>
     </dgm:pt>
     <dgm:pt modelId="{C0E889EF-88F0-F749-8968-9A33899E4E25}" type="pres">
-      <dgm:prSet presAssocID="{14EB9647-B5B4-5C42-A3BB-DD9487AE0503}" presName="imagSh" presStyleLbl="bgImgPlace1" presStyleIdx="4" presStyleCnt="9"/>
+      <dgm:prSet presAssocID="{14EB9647-B5B4-5C42-A3BB-DD9487AE0503}" presName="imagSh" presStyleLbl="bgImgPlace1" presStyleIdx="4" presStyleCnt="9" custLinFactNeighborX="18642" custLinFactNeighborY="-10145"/>
       <dgm:spPr>
         <a:blipFill dpi="0" rotWithShape="1">
           <a:blip xmlns:r="http://schemas.openxmlformats.org/officeDocument/2006/relationships" r:embed="rId6"/>
@@ -1608,7 +1595,7 @@
       <dgm:spPr/>
     </dgm:pt>
     <dgm:pt modelId="{02C0CE08-0E61-3645-AA6B-B1A2030912AE}" type="pres">
-      <dgm:prSet presAssocID="{D2AE0BC0-3A6A-7348-97A6-31AD914A65D1}" presName="imagSh" presStyleLbl="bgImgPlace1" presStyleIdx="5" presStyleCnt="9"/>
+      <dgm:prSet presAssocID="{D2AE0BC0-3A6A-7348-97A6-31AD914A65D1}" presName="imagSh" presStyleLbl="bgImgPlace1" presStyleIdx="5" presStyleCnt="9" custLinFactNeighborX="18642" custLinFactNeighborY="-10145"/>
       <dgm:spPr>
         <a:blipFill dpi="0" rotWithShape="1">
           <a:blip xmlns:r="http://schemas.openxmlformats.org/officeDocument/2006/relationships" r:embed="rId7">
@@ -1646,7 +1633,7 @@
       <dgm:spPr/>
     </dgm:pt>
     <dgm:pt modelId="{50B37A2D-88AC-3244-9A18-DF529E1DC002}" type="pres">
-      <dgm:prSet presAssocID="{49C433CC-F23F-5B46-B09D-E7AFCC6F43DE}" presName="imagSh" presStyleLbl="bgImgPlace1" presStyleIdx="6" presStyleCnt="9"/>
+      <dgm:prSet presAssocID="{49C433CC-F23F-5B46-B09D-E7AFCC6F43DE}" presName="imagSh" presStyleLbl="bgImgPlace1" presStyleIdx="6" presStyleCnt="9" custLinFactNeighborX="18642" custLinFactNeighborY="-10145"/>
       <dgm:spPr>
         <a:blipFill dpi="0" rotWithShape="1">
           <a:blip xmlns:r="http://schemas.openxmlformats.org/officeDocument/2006/relationships" r:embed="rId2"/>
@@ -1678,8 +1665,16 @@
       <dgm:spPr/>
     </dgm:pt>
     <dgm:pt modelId="{97FCB05C-2C4C-E948-AA0B-574A4D566269}" type="pres">
-      <dgm:prSet presAssocID="{4DBA0E58-3FCB-C84D-BBB5-32F606343A55}" presName="imagSh" presStyleLbl="bgImgPlace1" presStyleIdx="7" presStyleCnt="9"/>
-      <dgm:spPr/>
+      <dgm:prSet presAssocID="{4DBA0E58-3FCB-C84D-BBB5-32F606343A55}" presName="imagSh" presStyleLbl="bgImgPlace1" presStyleIdx="7" presStyleCnt="9" custLinFactNeighborX="18642" custLinFactNeighborY="-10145"/>
+      <dgm:spPr>
+        <a:blipFill>
+          <a:blip xmlns:r="http://schemas.openxmlformats.org/officeDocument/2006/relationships" r:embed="rId8"/>
+          <a:srcRect/>
+          <a:stretch>
+            <a:fillRect/>
+          </a:stretch>
+        </a:blipFill>
+      </dgm:spPr>
     </dgm:pt>
     <dgm:pt modelId="{3D59297E-1D54-554E-8129-FF18FC5C2294}" type="pres">
       <dgm:prSet presAssocID="{4DBA0E58-3FCB-C84D-BBB5-32F606343A55}" presName="txNode" presStyleLbl="node1" presStyleIdx="7" presStyleCnt="9">
@@ -1702,8 +1697,22 @@
       <dgm:spPr/>
     </dgm:pt>
     <dgm:pt modelId="{F6C33D4A-666C-3945-B7ED-9CF0A345377C}" type="pres">
-      <dgm:prSet presAssocID="{782E822C-D067-7142-BCE0-5975BDAB427A}" presName="imagSh" presStyleLbl="bgImgPlace1" presStyleIdx="8" presStyleCnt="9"/>
-      <dgm:spPr/>
+      <dgm:prSet presAssocID="{782E822C-D067-7142-BCE0-5975BDAB427A}" presName="imagSh" presStyleLbl="bgImgPlace1" presStyleIdx="8" presStyleCnt="9" custLinFactNeighborX="16460" custLinFactNeighborY="-10145"/>
+      <dgm:spPr>
+        <a:blipFill dpi="0" rotWithShape="1">
+          <a:blip xmlns:r="http://schemas.openxmlformats.org/officeDocument/2006/relationships" r:embed="rId9">
+            <a:extLst>
+              <a:ext uri="{28A0092B-C50C-407E-A947-70E740481C1C}">
+                <a14:useLocalDpi xmlns:a14="http://schemas.microsoft.com/office/drawing/2010/main" val="0"/>
+              </a:ext>
+            </a:extLst>
+          </a:blip>
+          <a:srcRect/>
+          <a:stretch>
+            <a:fillRect l="1352" t="6217" r="1352" b="6217"/>
+          </a:stretch>
+        </a:blipFill>
+      </dgm:spPr>
     </dgm:pt>
     <dgm:pt modelId="{9C5D019A-FADF-3441-AEE9-64AEADF74F2A}" type="pres">
       <dgm:prSet presAssocID="{782E822C-D067-7142-BCE0-5975BDAB427A}" presName="txNode" presStyleLbl="node1" presStyleIdx="8" presStyleCnt="9">
@@ -1819,7 +1828,7 @@
       </dsp:nvSpPr>
       <dsp:spPr>
         <a:xfrm>
-          <a:off x="1702" y="2477633"/>
+          <a:off x="176903" y="2382288"/>
           <a:ext cx="939820" cy="939820"/>
         </a:xfrm>
         <a:prstGeom prst="roundRect">
@@ -1950,7 +1959,7 @@
       </dsp:nvSpPr>
       <dsp:spPr>
         <a:xfrm>
-          <a:off x="1122552" y="2834631"/>
+          <a:off x="1297754" y="2739286"/>
           <a:ext cx="181030" cy="225825"/>
         </a:xfrm>
         <a:prstGeom prst="rightArrow">
@@ -2042,7 +2051,7 @@
         </a:p>
       </dsp:txBody>
       <dsp:txXfrm>
-        <a:off x="1122552" y="2879796"/>
+        <a:off x="1297754" y="2784451"/>
         <a:ext cx="126721" cy="135495"/>
       </dsp:txXfrm>
     </dsp:sp>
@@ -2053,7 +2062,7 @@
       </dsp:nvSpPr>
       <dsp:spPr>
         <a:xfrm>
-          <a:off x="1458751" y="2477633"/>
+          <a:off x="1633953" y="2382288"/>
           <a:ext cx="939820" cy="939820"/>
         </a:xfrm>
         <a:prstGeom prst="roundRect">
@@ -2184,7 +2193,7 @@
       </dsp:nvSpPr>
       <dsp:spPr>
         <a:xfrm>
-          <a:off x="2579602" y="2834631"/>
+          <a:off x="2754803" y="2739286"/>
           <a:ext cx="181030" cy="225825"/>
         </a:xfrm>
         <a:prstGeom prst="rightArrow">
@@ -2276,7 +2285,7 @@
         </a:p>
       </dsp:txBody>
       <dsp:txXfrm>
-        <a:off x="2579602" y="2879796"/>
+        <a:off x="2754803" y="2784451"/>
         <a:ext cx="126721" cy="135495"/>
       </dsp:txXfrm>
     </dsp:sp>
@@ -2287,7 +2296,7 @@
       </dsp:nvSpPr>
       <dsp:spPr>
         <a:xfrm>
-          <a:off x="2915801" y="2477633"/>
+          <a:off x="3091002" y="2382288"/>
           <a:ext cx="939820" cy="939820"/>
         </a:xfrm>
         <a:prstGeom prst="roundRect">
@@ -2424,7 +2433,7 @@
       </dsp:nvSpPr>
       <dsp:spPr>
         <a:xfrm>
-          <a:off x="4036651" y="2834631"/>
+          <a:off x="4211852" y="2739286"/>
           <a:ext cx="181030" cy="225825"/>
         </a:xfrm>
         <a:prstGeom prst="rightArrow">
@@ -2516,7 +2525,7 @@
         </a:p>
       </dsp:txBody>
       <dsp:txXfrm>
-        <a:off x="4036651" y="2879796"/>
+        <a:off x="4211852" y="2784451"/>
         <a:ext cx="126721" cy="135495"/>
       </dsp:txXfrm>
     </dsp:sp>
@@ -2527,7 +2536,7 @@
       </dsp:nvSpPr>
       <dsp:spPr>
         <a:xfrm>
-          <a:off x="4372850" y="2477633"/>
+          <a:off x="4548051" y="2382288"/>
           <a:ext cx="939820" cy="939820"/>
         </a:xfrm>
         <a:prstGeom prst="roundRect">
@@ -2677,7 +2686,7 @@
       </dsp:nvSpPr>
       <dsp:spPr>
         <a:xfrm>
-          <a:off x="5493700" y="2834631"/>
+          <a:off x="5668902" y="2739286"/>
           <a:ext cx="181030" cy="225825"/>
         </a:xfrm>
         <a:prstGeom prst="rightArrow">
@@ -2769,7 +2778,7 @@
         </a:p>
       </dsp:txBody>
       <dsp:txXfrm>
-        <a:off x="5493700" y="2879796"/>
+        <a:off x="5668902" y="2784451"/>
         <a:ext cx="126721" cy="135495"/>
       </dsp:txXfrm>
     </dsp:sp>
@@ -2780,7 +2789,7 @@
       </dsp:nvSpPr>
       <dsp:spPr>
         <a:xfrm>
-          <a:off x="5829899" y="2477633"/>
+          <a:off x="6005101" y="2382288"/>
           <a:ext cx="939820" cy="939820"/>
         </a:xfrm>
         <a:prstGeom prst="roundRect">
@@ -2894,12 +2903,8 @@
             <a:buNone/>
           </a:pPr>
           <a:r>
-            <a:rPr lang="en-US" sz="1100" kern="1200"/>
-            <a:t>5) </a:t>
-          </a:r>
-          <a:r>
             <a:rPr lang="en-US" sz="1100" kern="1200" dirty="0"/>
-            <a:t>Data Analysis</a:t>
+            <a:t>5) Data Analysis</a:t>
           </a:r>
         </a:p>
       </dsp:txBody>
@@ -2915,7 +2920,7 @@
       </dsp:nvSpPr>
       <dsp:spPr>
         <a:xfrm>
-          <a:off x="6950750" y="2834631"/>
+          <a:off x="7125951" y="2739286"/>
           <a:ext cx="181030" cy="225825"/>
         </a:xfrm>
         <a:prstGeom prst="rightArrow">
@@ -3007,7 +3012,7 @@
         </a:p>
       </dsp:txBody>
       <dsp:txXfrm>
-        <a:off x="6950750" y="2879796"/>
+        <a:off x="7125951" y="2784451"/>
         <a:ext cx="126721" cy="135495"/>
       </dsp:txXfrm>
     </dsp:sp>
@@ -3018,7 +3023,7 @@
       </dsp:nvSpPr>
       <dsp:spPr>
         <a:xfrm>
-          <a:off x="7286949" y="2477633"/>
+          <a:off x="7462150" y="2382288"/>
           <a:ext cx="939820" cy="939820"/>
         </a:xfrm>
         <a:prstGeom prst="roundRect">
@@ -3138,12 +3143,8 @@
             <a:buNone/>
           </a:pPr>
           <a:r>
-            <a:rPr lang="en-US" sz="1100" kern="1200"/>
-            <a:t>6) </a:t>
-          </a:r>
-          <a:r>
             <a:rPr lang="en-US" sz="1100" kern="1200" dirty="0"/>
-            <a:t>Calculating Statistical values</a:t>
+            <a:t>6) Calculating Statistical values</a:t>
           </a:r>
         </a:p>
       </dsp:txBody>
@@ -3159,7 +3160,7 @@
       </dsp:nvSpPr>
       <dsp:spPr>
         <a:xfrm>
-          <a:off x="8407799" y="2834631"/>
+          <a:off x="8583000" y="2739286"/>
           <a:ext cx="181030" cy="225825"/>
         </a:xfrm>
         <a:prstGeom prst="rightArrow">
@@ -3251,7 +3252,7 @@
         </a:p>
       </dsp:txBody>
       <dsp:txXfrm>
-        <a:off x="8407799" y="2879796"/>
+        <a:off x="8583000" y="2784451"/>
         <a:ext cx="126721" cy="135495"/>
       </dsp:txXfrm>
     </dsp:sp>
@@ -3262,7 +3263,7 @@
       </dsp:nvSpPr>
       <dsp:spPr>
         <a:xfrm>
-          <a:off x="8743998" y="2477633"/>
+          <a:off x="8919199" y="2382288"/>
           <a:ext cx="939820" cy="939820"/>
         </a:xfrm>
         <a:prstGeom prst="roundRect">
@@ -3393,7 +3394,7 @@
       </dsp:nvSpPr>
       <dsp:spPr>
         <a:xfrm>
-          <a:off x="9864849" y="2834631"/>
+          <a:off x="10040050" y="2739286"/>
           <a:ext cx="181030" cy="225825"/>
         </a:xfrm>
         <a:prstGeom prst="rightArrow">
@@ -3485,7 +3486,7 @@
         </a:p>
       </dsp:txBody>
       <dsp:txXfrm>
-        <a:off x="9864849" y="2879796"/>
+        <a:off x="10040050" y="2784451"/>
         <a:ext cx="126721" cy="135495"/>
       </dsp:txXfrm>
     </dsp:sp>
@@ -3496,7 +3497,7 @@
       </dsp:nvSpPr>
       <dsp:spPr>
         <a:xfrm>
-          <a:off x="10201047" y="2477633"/>
+          <a:off x="10376249" y="2382288"/>
           <a:ext cx="939820" cy="939820"/>
         </a:xfrm>
         <a:prstGeom prst="roundRect">
@@ -3504,15 +3505,13 @@
             <a:gd name="adj" fmla="val 10000"/>
           </a:avLst>
         </a:prstGeom>
-        <a:solidFill>
-          <a:schemeClr val="accent1">
-            <a:tint val="50000"/>
-            <a:hueOff val="0"/>
-            <a:satOff val="0"/>
-            <a:lumOff val="0"/>
-            <a:alphaOff val="0"/>
-          </a:schemeClr>
-        </a:solidFill>
+        <a:blipFill>
+          <a:blip xmlns:r="http://schemas.openxmlformats.org/officeDocument/2006/relationships" r:embed="rId8"/>
+          <a:srcRect/>
+          <a:stretch>
+            <a:fillRect/>
+          </a:stretch>
+        </a:blipFill>
         <a:ln>
           <a:noFill/>
         </a:ln>
@@ -3612,12 +3611,8 @@
             <a:buNone/>
           </a:pPr>
           <a:r>
-            <a:rPr lang="en-US" sz="1100" kern="1200"/>
-            <a:t>8) </a:t>
-          </a:r>
-          <a:r>
             <a:rPr lang="en-US" sz="1100" kern="1200" dirty="0"/>
-            <a:t>Rejecting or failing to reject our Hypotheses  </a:t>
+            <a:t>8) Rejecting or failing to reject our Hypotheses  </a:t>
           </a:r>
         </a:p>
       </dsp:txBody>
@@ -3633,8 +3628,8 @@
       </dsp:nvSpPr>
       <dsp:spPr>
         <a:xfrm>
-          <a:off x="11321898" y="2834631"/>
-          <a:ext cx="181030" cy="225825"/>
+          <a:off x="11489922" y="2739286"/>
+          <a:ext cx="173852" cy="225825"/>
         </a:xfrm>
         <a:prstGeom prst="rightArrow">
           <a:avLst>
@@ -3725,8 +3720,8 @@
         </a:p>
       </dsp:txBody>
       <dsp:txXfrm>
-        <a:off x="11321898" y="2879796"/>
-        <a:ext cx="126721" cy="135495"/>
+        <a:off x="11489922" y="2784451"/>
+        <a:ext cx="121696" cy="135495"/>
       </dsp:txXfrm>
     </dsp:sp>
     <dsp:sp modelId="{F6C33D4A-666C-3945-B7ED-9CF0A345377C}">
@@ -3736,7 +3731,7 @@
       </dsp:nvSpPr>
       <dsp:spPr>
         <a:xfrm>
-          <a:off x="11658097" y="2477633"/>
+          <a:off x="11812791" y="2382288"/>
           <a:ext cx="939820" cy="939820"/>
         </a:xfrm>
         <a:prstGeom prst="roundRect">
@@ -3744,15 +3739,19 @@
             <a:gd name="adj" fmla="val 10000"/>
           </a:avLst>
         </a:prstGeom>
-        <a:solidFill>
-          <a:schemeClr val="accent1">
-            <a:tint val="50000"/>
-            <a:hueOff val="0"/>
-            <a:satOff val="0"/>
-            <a:lumOff val="0"/>
-            <a:alphaOff val="0"/>
-          </a:schemeClr>
-        </a:solidFill>
+        <a:blipFill dpi="0" rotWithShape="1">
+          <a:blip xmlns:r="http://schemas.openxmlformats.org/officeDocument/2006/relationships" r:embed="rId9">
+            <a:extLst>
+              <a:ext uri="{28A0092B-C50C-407E-A947-70E740481C1C}">
+                <a14:useLocalDpi xmlns:a14="http://schemas.microsoft.com/office/drawing/2010/main" val="0"/>
+              </a:ext>
+            </a:extLst>
+          </a:blip>
+          <a:srcRect/>
+          <a:stretch>
+            <a:fillRect l="1352" t="6217" r="1352" b="6217"/>
+          </a:stretch>
+        </a:blipFill>
         <a:ln>
           <a:noFill/>
         </a:ln>
@@ -3852,12 +3851,8 @@
             <a:buNone/>
           </a:pPr>
           <a:r>
-            <a:rPr lang="en-US" sz="1100" kern="1200"/>
-            <a:t>9) </a:t>
-          </a:r>
-          <a:r>
             <a:rPr lang="en-US" sz="1100" kern="1200" dirty="0"/>
-            <a:t>Conclusion</a:t>
+            <a:t>8) Conclusion</a:t>
           </a:r>
         </a:p>
       </dsp:txBody>
@@ -5497,7 +5492,7 @@
           <a:p>
             <a:fld id="{FCDDCCB1-3945-F74C-AB93-22D07FAA0B8E}" type="datetimeFigureOut">
               <a:rPr lang="en-US" smtClean="0"/>
-              <a:t>11/14/19</a:t>
+              <a:t>11/15/19</a:t>
             </a:fld>
             <a:endParaRPr lang="en-US"/>
           </a:p>
@@ -5759,7 +5754,7 @@
           <a:p>
             <a:fld id="{FCDDCCB1-3945-F74C-AB93-22D07FAA0B8E}" type="datetimeFigureOut">
               <a:rPr lang="en-US" smtClean="0"/>
-              <a:t>11/14/19</a:t>
+              <a:t>11/15/19</a:t>
             </a:fld>
             <a:endParaRPr lang="en-US"/>
           </a:p>
@@ -5994,7 +5989,7 @@
           <a:p>
             <a:fld id="{FCDDCCB1-3945-F74C-AB93-22D07FAA0B8E}" type="datetimeFigureOut">
               <a:rPr lang="en-US" smtClean="0"/>
-              <a:t>11/14/19</a:t>
+              <a:t>11/15/19</a:t>
             </a:fld>
             <a:endParaRPr lang="en-US"/>
           </a:p>
@@ -6234,7 +6229,7 @@
           <a:p>
             <a:fld id="{FCDDCCB1-3945-F74C-AB93-22D07FAA0B8E}" type="datetimeFigureOut">
               <a:rPr lang="en-US" smtClean="0"/>
-              <a:t>11/14/19</a:t>
+              <a:t>11/15/19</a:t>
             </a:fld>
             <a:endParaRPr lang="en-US"/>
           </a:p>
@@ -6541,7 +6536,7 @@
           <a:p>
             <a:fld id="{FCDDCCB1-3945-F74C-AB93-22D07FAA0B8E}" type="datetimeFigureOut">
               <a:rPr lang="en-US" smtClean="0"/>
-              <a:t>11/14/19</a:t>
+              <a:t>11/15/19</a:t>
             </a:fld>
             <a:endParaRPr lang="en-US"/>
           </a:p>
@@ -6843,7 +6838,7 @@
           <a:p>
             <a:fld id="{FCDDCCB1-3945-F74C-AB93-22D07FAA0B8E}" type="datetimeFigureOut">
               <a:rPr lang="en-US" smtClean="0"/>
-              <a:t>11/14/19</a:t>
+              <a:t>11/15/19</a:t>
             </a:fld>
             <a:endParaRPr lang="en-US"/>
           </a:p>
@@ -7265,7 +7260,7 @@
           <a:p>
             <a:fld id="{FCDDCCB1-3945-F74C-AB93-22D07FAA0B8E}" type="datetimeFigureOut">
               <a:rPr lang="en-US" smtClean="0"/>
-              <a:t>11/14/19</a:t>
+              <a:t>11/15/19</a:t>
             </a:fld>
             <a:endParaRPr lang="en-US"/>
           </a:p>
@@ -7360,7 +7355,7 @@
           <a:p>
             <a:fld id="{FCDDCCB1-3945-F74C-AB93-22D07FAA0B8E}" type="datetimeFigureOut">
               <a:rPr lang="en-US" smtClean="0"/>
-              <a:t>11/14/19</a:t>
+              <a:t>11/15/19</a:t>
             </a:fld>
             <a:endParaRPr lang="en-US"/>
           </a:p>
@@ -7522,7 +7517,7 @@
           <a:p>
             <a:fld id="{FCDDCCB1-3945-F74C-AB93-22D07FAA0B8E}" type="datetimeFigureOut">
               <a:rPr lang="en-US" smtClean="0"/>
-              <a:t>11/14/19</a:t>
+              <a:t>11/15/19</a:t>
             </a:fld>
             <a:endParaRPr lang="en-US"/>
           </a:p>
@@ -7900,7 +7895,7 @@
           <a:p>
             <a:fld id="{FCDDCCB1-3945-F74C-AB93-22D07FAA0B8E}" type="datetimeFigureOut">
               <a:rPr lang="en-US" smtClean="0"/>
-              <a:t>11/14/19</a:t>
+              <a:t>11/15/19</a:t>
             </a:fld>
             <a:endParaRPr lang="en-US"/>
           </a:p>
@@ -8189,7 +8184,7 @@
           <a:p>
             <a:fld id="{FCDDCCB1-3945-F74C-AB93-22D07FAA0B8E}" type="datetimeFigureOut">
               <a:rPr lang="en-US" smtClean="0"/>
-              <a:t>11/14/19</a:t>
+              <a:t>11/15/19</a:t>
             </a:fld>
             <a:endParaRPr lang="en-US"/>
           </a:p>
@@ -8400,7 +8395,7 @@
           <a:p>
             <a:fld id="{FCDDCCB1-3945-F74C-AB93-22D07FAA0B8E}" type="datetimeFigureOut">
               <a:rPr lang="en-US" smtClean="0"/>
-              <a:t>11/14/19</a:t>
+              <a:t>11/15/19</a:t>
             </a:fld>
             <a:endParaRPr lang="en-US"/>
           </a:p>
@@ -9276,7 +9271,7 @@
           <p:nvPr>
             <p:extLst>
               <p:ext uri="{D42A27DB-BD31-4B8C-83A1-F6EECF244321}">
-                <p14:modId xmlns:p14="http://schemas.microsoft.com/office/powerpoint/2010/main" val="2681891803"/>
+                <p14:modId xmlns:p14="http://schemas.microsoft.com/office/powerpoint/2010/main" val="626368749"/>
               </p:ext>
             </p:extLst>
           </p:nvPr>
@@ -9409,7 +9404,7 @@
           <a:p>
             <a:r>
               <a:rPr lang="en-US" dirty="0"/>
-              <a:t>We collected data from the four major sports leagues (Football, Hockey, Baseball and Basketball) </a:t>
+              <a:t>We collected data for the four major sports leagues (Football,  Hockey,  Baseball and Basketball) </a:t>
             </a:r>
           </a:p>
           <a:p>
@@ -9612,6 +9607,259 @@
 </file>
 
 <file path=ppt/slides/slide4.xml><?xml version="1.0" encoding="utf-8"?>
+<p:sld xmlns:a="http://schemas.openxmlformats.org/drawingml/2006/main" xmlns:r="http://schemas.openxmlformats.org/officeDocument/2006/relationships" xmlns:p="http://schemas.openxmlformats.org/presentationml/2006/main">
+  <p:cSld>
+    <p:spTree>
+      <p:nvGrpSpPr>
+        <p:cNvPr id="1" name=""/>
+        <p:cNvGrpSpPr/>
+        <p:nvPr/>
+      </p:nvGrpSpPr>
+      <p:grpSpPr>
+        <a:xfrm>
+          <a:off x="0" y="0"/>
+          <a:ext cx="0" cy="0"/>
+          <a:chOff x="0" y="0"/>
+          <a:chExt cx="0" cy="0"/>
+        </a:xfrm>
+      </p:grpSpPr>
+      <p:sp>
+        <p:nvSpPr>
+          <p:cNvPr id="2" name="Title 1">
+            <a:extLst>
+              <a:ext uri="{FF2B5EF4-FFF2-40B4-BE49-F238E27FC236}">
+                <a16:creationId xmlns:a16="http://schemas.microsoft.com/office/drawing/2014/main" id="{ADB26318-0B00-2446-8F35-8392C2FD40E2}"/>
+              </a:ext>
+            </a:extLst>
+          </p:cNvPr>
+          <p:cNvSpPr>
+            <a:spLocks noGrp="1"/>
+          </p:cNvSpPr>
+          <p:nvPr>
+            <p:ph type="title"/>
+          </p:nvPr>
+        </p:nvSpPr>
+        <p:spPr/>
+        <p:txBody>
+          <a:bodyPr/>
+          <a:lstStyle/>
+          <a:p>
+            <a:r>
+              <a:rPr lang="en-US" dirty="0"/>
+              <a:t>Our Hypotheses</a:t>
+            </a:r>
+          </a:p>
+        </p:txBody>
+      </p:sp>
+      <p:sp>
+        <p:nvSpPr>
+          <p:cNvPr id="3" name="Content Placeholder 2">
+            <a:extLst>
+              <a:ext uri="{FF2B5EF4-FFF2-40B4-BE49-F238E27FC236}">
+                <a16:creationId xmlns:a16="http://schemas.microsoft.com/office/drawing/2014/main" id="{FE64D073-ED66-5548-928B-6F30FBC0938C}"/>
+              </a:ext>
+            </a:extLst>
+          </p:cNvPr>
+          <p:cNvSpPr>
+            <a:spLocks noGrp="1"/>
+          </p:cNvSpPr>
+          <p:nvPr>
+            <p:ph idx="1"/>
+          </p:nvPr>
+        </p:nvSpPr>
+        <p:spPr/>
+        <p:txBody>
+          <a:bodyPr/>
+          <a:lstStyle/>
+          <a:p>
+            <a:endParaRPr lang="en-US" dirty="0"/>
+          </a:p>
+        </p:txBody>
+      </p:sp>
+    </p:spTree>
+    <p:extLst>
+      <p:ext uri="{BB962C8B-B14F-4D97-AF65-F5344CB8AC3E}">
+        <p14:creationId xmlns:p14="http://schemas.microsoft.com/office/powerpoint/2010/main" val="3138340450"/>
+      </p:ext>
+    </p:extLst>
+  </p:cSld>
+  <p:clrMapOvr>
+    <a:masterClrMapping/>
+  </p:clrMapOvr>
+</p:sld>
+</file>
+
+<file path=ppt/slides/slide5.xml><?xml version="1.0" encoding="utf-8"?>
+<p:sld xmlns:a="http://schemas.openxmlformats.org/drawingml/2006/main" xmlns:r="http://schemas.openxmlformats.org/officeDocument/2006/relationships" xmlns:p="http://schemas.openxmlformats.org/presentationml/2006/main">
+  <p:cSld>
+    <p:spTree>
+      <p:nvGrpSpPr>
+        <p:cNvPr id="1" name=""/>
+        <p:cNvGrpSpPr/>
+        <p:nvPr/>
+      </p:nvGrpSpPr>
+      <p:grpSpPr>
+        <a:xfrm>
+          <a:off x="0" y="0"/>
+          <a:ext cx="0" cy="0"/>
+          <a:chOff x="0" y="0"/>
+          <a:chExt cx="0" cy="0"/>
+        </a:xfrm>
+      </p:grpSpPr>
+      <p:sp>
+        <p:nvSpPr>
+          <p:cNvPr id="2" name="Title 1">
+            <a:extLst>
+              <a:ext uri="{FF2B5EF4-FFF2-40B4-BE49-F238E27FC236}">
+                <a16:creationId xmlns:a16="http://schemas.microsoft.com/office/drawing/2014/main" id="{F7F06FD6-12A2-C440-B8BD-6EEE8E52BB9F}"/>
+              </a:ext>
+            </a:extLst>
+          </p:cNvPr>
+          <p:cNvSpPr>
+            <a:spLocks noGrp="1"/>
+          </p:cNvSpPr>
+          <p:nvPr>
+            <p:ph type="title"/>
+          </p:nvPr>
+        </p:nvSpPr>
+        <p:spPr/>
+        <p:txBody>
+          <a:bodyPr/>
+          <a:lstStyle/>
+          <a:p>
+            <a:r>
+              <a:rPr lang="en-US" dirty="0"/>
+              <a:t>Data Analysis &amp; Statistical Calculations</a:t>
+            </a:r>
+            <a:br>
+              <a:rPr lang="en-US" dirty="0"/>
+            </a:br>
+            <a:endParaRPr lang="en-US" dirty="0"/>
+          </a:p>
+        </p:txBody>
+      </p:sp>
+      <p:sp>
+        <p:nvSpPr>
+          <p:cNvPr id="3" name="Content Placeholder 2">
+            <a:extLst>
+              <a:ext uri="{FF2B5EF4-FFF2-40B4-BE49-F238E27FC236}">
+                <a16:creationId xmlns:a16="http://schemas.microsoft.com/office/drawing/2014/main" id="{0B588F0F-7484-6B45-B59E-B1FFF218326D}"/>
+              </a:ext>
+            </a:extLst>
+          </p:cNvPr>
+          <p:cNvSpPr>
+            <a:spLocks noGrp="1"/>
+          </p:cNvSpPr>
+          <p:nvPr>
+            <p:ph idx="1"/>
+          </p:nvPr>
+        </p:nvSpPr>
+        <p:spPr/>
+        <p:txBody>
+          <a:bodyPr/>
+          <a:lstStyle/>
+          <a:p>
+            <a:endParaRPr lang="en-US" dirty="0"/>
+          </a:p>
+        </p:txBody>
+      </p:sp>
+    </p:spTree>
+    <p:extLst>
+      <p:ext uri="{BB962C8B-B14F-4D97-AF65-F5344CB8AC3E}">
+        <p14:creationId xmlns:p14="http://schemas.microsoft.com/office/powerpoint/2010/main" val="4234453414"/>
+      </p:ext>
+    </p:extLst>
+  </p:cSld>
+  <p:clrMapOvr>
+    <a:masterClrMapping/>
+  </p:clrMapOvr>
+</p:sld>
+</file>
+
+<file path=ppt/slides/slide6.xml><?xml version="1.0" encoding="utf-8"?>
+<p:sld xmlns:a="http://schemas.openxmlformats.org/drawingml/2006/main" xmlns:r="http://schemas.openxmlformats.org/officeDocument/2006/relationships" xmlns:p="http://schemas.openxmlformats.org/presentationml/2006/main">
+  <p:cSld>
+    <p:spTree>
+      <p:nvGrpSpPr>
+        <p:cNvPr id="1" name=""/>
+        <p:cNvGrpSpPr/>
+        <p:nvPr/>
+      </p:nvGrpSpPr>
+      <p:grpSpPr>
+        <a:xfrm>
+          <a:off x="0" y="0"/>
+          <a:ext cx="0" cy="0"/>
+          <a:chOff x="0" y="0"/>
+          <a:chExt cx="0" cy="0"/>
+        </a:xfrm>
+      </p:grpSpPr>
+      <p:sp>
+        <p:nvSpPr>
+          <p:cNvPr id="2" name="Title 1">
+            <a:extLst>
+              <a:ext uri="{FF2B5EF4-FFF2-40B4-BE49-F238E27FC236}">
+                <a16:creationId xmlns:a16="http://schemas.microsoft.com/office/drawing/2014/main" id="{9C44E39E-4FF3-664F-B6A6-B779197224CE}"/>
+              </a:ext>
+            </a:extLst>
+          </p:cNvPr>
+          <p:cNvSpPr>
+            <a:spLocks noGrp="1"/>
+          </p:cNvSpPr>
+          <p:nvPr>
+            <p:ph type="title"/>
+          </p:nvPr>
+        </p:nvSpPr>
+        <p:spPr/>
+        <p:txBody>
+          <a:bodyPr/>
+          <a:lstStyle/>
+          <a:p>
+            <a:r>
+              <a:rPr lang="en-US" dirty="0"/>
+              <a:t>Data Visualization</a:t>
+            </a:r>
+          </a:p>
+        </p:txBody>
+      </p:sp>
+      <p:sp>
+        <p:nvSpPr>
+          <p:cNvPr id="3" name="Content Placeholder 2">
+            <a:extLst>
+              <a:ext uri="{FF2B5EF4-FFF2-40B4-BE49-F238E27FC236}">
+                <a16:creationId xmlns:a16="http://schemas.microsoft.com/office/drawing/2014/main" id="{4AE151B8-5157-F943-9DF0-83274F00350A}"/>
+              </a:ext>
+            </a:extLst>
+          </p:cNvPr>
+          <p:cNvSpPr>
+            <a:spLocks noGrp="1"/>
+          </p:cNvSpPr>
+          <p:nvPr>
+            <p:ph idx="1"/>
+          </p:nvPr>
+        </p:nvSpPr>
+        <p:spPr/>
+        <p:txBody>
+          <a:bodyPr/>
+          <a:lstStyle/>
+          <a:p>
+            <a:endParaRPr lang="en-US"/>
+          </a:p>
+        </p:txBody>
+      </p:sp>
+    </p:spTree>
+    <p:extLst>
+      <p:ext uri="{BB962C8B-B14F-4D97-AF65-F5344CB8AC3E}">
+        <p14:creationId xmlns:p14="http://schemas.microsoft.com/office/powerpoint/2010/main" val="1808609715"/>
+      </p:ext>
+    </p:extLst>
+  </p:cSld>
+  <p:clrMapOvr>
+    <a:masterClrMapping/>
+  </p:clrMapOvr>
+</p:sld>
+</file>
+
+<file path=ppt/slides/slide7.xml><?xml version="1.0" encoding="utf-8"?>
 <p:sld xmlns:a="http://schemas.openxmlformats.org/drawingml/2006/main" xmlns:r="http://schemas.openxmlformats.org/officeDocument/2006/relationships" xmlns:p="http://schemas.openxmlformats.org/presentationml/2006/main">
   <p:cSld>
     <p:bg>
@@ -10370,7 +10618,7 @@
 </p:sld>
 </file>
 
-<file path=ppt/slides/slide5.xml><?xml version="1.0" encoding="utf-8"?>
+<file path=ppt/slides/slide8.xml><?xml version="1.0" encoding="utf-8"?>
 <p:sld xmlns:a="http://schemas.openxmlformats.org/drawingml/2006/main" xmlns:r="http://schemas.openxmlformats.org/officeDocument/2006/relationships" xmlns:p="http://schemas.openxmlformats.org/presentationml/2006/main">
   <p:cSld>
     <p:bg>

--- a/Presentation1.pptx
+++ b/Presentation1.pptx
@@ -13257,7 +13257,7 @@
             <a:tbl>
               <a:tblPr>
                 <a:noFill/>
-                <a:tableStyleId>{B5B95D15-6193-434A-8E47-CE87CB6EB4F4}</a:tableStyleId>
+                <a:tableStyleId>{AE1836DD-2B67-4778-9BA9-8F5B08CE6671}</a:tableStyleId>
               </a:tblPr>
               <a:tblGrid>
                 <a:gridCol w="2195325"/>
@@ -16999,7 +16999,26 @@
             </a:pPr>
             <a:r>
               <a:rPr lang="en-US"/>
-              <a:t>We cleaned our data</a:t>
+              <a:t>We cleaned our data and made tables</a:t>
+            </a:r>
+            <a:endParaRPr/>
+          </a:p>
+          <a:p>
+            <a:pPr indent="0" lvl="0" marL="457200" rtl="0" algn="l">
+              <a:lnSpc>
+                <a:spcPct val="90000"/>
+              </a:lnSpc>
+              <a:spcBef>
+                <a:spcPts val="920"/>
+              </a:spcBef>
+              <a:spcAft>
+                <a:spcPts val="0"/>
+              </a:spcAft>
+              <a:buNone/>
+            </a:pPr>
+            <a:r>
+              <a:rPr lang="en-US"/>
+              <a:t>using Python and MySQL</a:t>
             </a:r>
             <a:endParaRPr/>
           </a:p>
@@ -17097,9 +17116,23 @@
               <a:gd fmla="val 50000" name="adj2"/>
             </a:avLst>
           </a:prstGeom>
-          <a:solidFill>
-            <a:schemeClr val="lt2"/>
-          </a:solidFill>
+          <a:gradFill>
+            <a:gsLst>
+              <a:gs pos="0">
+                <a:srgbClr val="EEF2FA"/>
+              </a:gs>
+              <a:gs pos="0">
+                <a:srgbClr val="7397DB"/>
+              </a:gs>
+              <a:gs pos="49000">
+                <a:srgbClr val="EFEFEF"/>
+              </a:gs>
+              <a:gs pos="100000">
+                <a:srgbClr val="A0B8E7"/>
+              </a:gs>
+            </a:gsLst>
+            <a:lin ang="5400700" scaled="0"/>
+          </a:gradFill>
           <a:ln cap="flat" cmpd="sng" w="9525">
             <a:solidFill>
               <a:schemeClr val="dk2"/>
@@ -17149,9 +17182,23 @@
               <a:gd fmla="val 50000" name="adj2"/>
             </a:avLst>
           </a:prstGeom>
-          <a:solidFill>
-            <a:schemeClr val="lt2"/>
-          </a:solidFill>
+          <a:gradFill>
+            <a:gsLst>
+              <a:gs pos="0">
+                <a:srgbClr val="EEF2FA"/>
+              </a:gs>
+              <a:gs pos="0">
+                <a:srgbClr val="7397DB"/>
+              </a:gs>
+              <a:gs pos="49000">
+                <a:srgbClr val="EFEFEF"/>
+              </a:gs>
+              <a:gs pos="100000">
+                <a:srgbClr val="A0B8E7"/>
+              </a:gs>
+            </a:gsLst>
+            <a:lin ang="5400700" scaled="0"/>
+          </a:gradFill>
           <a:ln cap="flat" cmpd="sng" w="9525">
             <a:solidFill>
               <a:schemeClr val="dk2"/>
@@ -17201,9 +17248,23 @@
               <a:gd fmla="val 50000" name="adj2"/>
             </a:avLst>
           </a:prstGeom>
-          <a:solidFill>
-            <a:schemeClr val="lt2"/>
-          </a:solidFill>
+          <a:gradFill>
+            <a:gsLst>
+              <a:gs pos="0">
+                <a:srgbClr val="EEF2FA"/>
+              </a:gs>
+              <a:gs pos="0">
+                <a:srgbClr val="7397DB"/>
+              </a:gs>
+              <a:gs pos="49000">
+                <a:srgbClr val="EFEFEF"/>
+              </a:gs>
+              <a:gs pos="100000">
+                <a:srgbClr val="A0B8E7"/>
+              </a:gs>
+            </a:gsLst>
+            <a:lin ang="0" scaled="0"/>
+          </a:gradFill>
           <a:ln cap="flat" cmpd="sng" w="9525">
             <a:solidFill>
               <a:schemeClr val="dk2"/>
@@ -19030,7 +19091,7 @@
             <a:tbl>
               <a:tblPr>
                 <a:noFill/>
-                <a:tableStyleId>{B5B95D15-6193-434A-8E47-CE87CB6EB4F4}</a:tableStyleId>
+                <a:tableStyleId>{AE1836DD-2B67-4778-9BA9-8F5B08CE6671}</a:tableStyleId>
               </a:tblPr>
               <a:tblGrid>
                 <a:gridCol w="1714500"/>
@@ -21039,7 +21100,7 @@
             <a:tbl>
               <a:tblPr>
                 <a:noFill/>
-                <a:tableStyleId>{B5B95D15-6193-434A-8E47-CE87CB6EB4F4}</a:tableStyleId>
+                <a:tableStyleId>{AE1836DD-2B67-4778-9BA9-8F5B08CE6671}</a:tableStyleId>
               </a:tblPr>
               <a:tblGrid>
                 <a:gridCol w="1479050"/>
